--- a/Figure/overview/overview.pptx
+++ b/Figure/overview/overview.pptx
@@ -105,6 +105,11 @@
       </a:defRPr>
     </a:lvl9pPr>
   </p:defaultTextStyle>
+  <p:extLst>
+    <p:ext uri="{EFAFB233-063F-42B5-8137-9DF3F51BA10A}">
+      <p15:sldGuideLst xmlns:p15="http://schemas.microsoft.com/office/powerpoint/2012/main"/>
+    </p:ext>
+  </p:extLst>
 </p:presentation>
 </file>
 
@@ -255,7 +260,7 @@
           <a:p>
             <a:fld id="{BB6AA20C-F034-4B89-BF6D-AE204F5DD15B}" type="datetimeFigureOut">
               <a:rPr lang="zh-CN" altLang="en-US" smtClean="0"/>
-              <a:t>2020/7/31</a:t>
+              <a:t>2020/8/6</a:t>
             </a:fld>
             <a:endParaRPr lang="zh-CN" altLang="en-US"/>
           </a:p>
@@ -453,7 +458,7 @@
           <a:p>
             <a:fld id="{BB6AA20C-F034-4B89-BF6D-AE204F5DD15B}" type="datetimeFigureOut">
               <a:rPr lang="zh-CN" altLang="en-US" smtClean="0"/>
-              <a:t>2020/7/31</a:t>
+              <a:t>2020/8/6</a:t>
             </a:fld>
             <a:endParaRPr lang="zh-CN" altLang="en-US"/>
           </a:p>
@@ -661,7 +666,7 @@
           <a:p>
             <a:fld id="{BB6AA20C-F034-4B89-BF6D-AE204F5DD15B}" type="datetimeFigureOut">
               <a:rPr lang="zh-CN" altLang="en-US" smtClean="0"/>
-              <a:t>2020/7/31</a:t>
+              <a:t>2020/8/6</a:t>
             </a:fld>
             <a:endParaRPr lang="zh-CN" altLang="en-US"/>
           </a:p>
@@ -859,7 +864,7 @@
           <a:p>
             <a:fld id="{BB6AA20C-F034-4B89-BF6D-AE204F5DD15B}" type="datetimeFigureOut">
               <a:rPr lang="zh-CN" altLang="en-US" smtClean="0"/>
-              <a:t>2020/7/31</a:t>
+              <a:t>2020/8/6</a:t>
             </a:fld>
             <a:endParaRPr lang="zh-CN" altLang="en-US"/>
           </a:p>
@@ -1134,7 +1139,7 @@
           <a:p>
             <a:fld id="{BB6AA20C-F034-4B89-BF6D-AE204F5DD15B}" type="datetimeFigureOut">
               <a:rPr lang="zh-CN" altLang="en-US" smtClean="0"/>
-              <a:t>2020/7/31</a:t>
+              <a:t>2020/8/6</a:t>
             </a:fld>
             <a:endParaRPr lang="zh-CN" altLang="en-US"/>
           </a:p>
@@ -1399,7 +1404,7 @@
           <a:p>
             <a:fld id="{BB6AA20C-F034-4B89-BF6D-AE204F5DD15B}" type="datetimeFigureOut">
               <a:rPr lang="zh-CN" altLang="en-US" smtClean="0"/>
-              <a:t>2020/7/31</a:t>
+              <a:t>2020/8/6</a:t>
             </a:fld>
             <a:endParaRPr lang="zh-CN" altLang="en-US"/>
           </a:p>
@@ -1811,7 +1816,7 @@
           <a:p>
             <a:fld id="{BB6AA20C-F034-4B89-BF6D-AE204F5DD15B}" type="datetimeFigureOut">
               <a:rPr lang="zh-CN" altLang="en-US" smtClean="0"/>
-              <a:t>2020/7/31</a:t>
+              <a:t>2020/8/6</a:t>
             </a:fld>
             <a:endParaRPr lang="zh-CN" altLang="en-US"/>
           </a:p>
@@ -1952,7 +1957,7 @@
           <a:p>
             <a:fld id="{BB6AA20C-F034-4B89-BF6D-AE204F5DD15B}" type="datetimeFigureOut">
               <a:rPr lang="zh-CN" altLang="en-US" smtClean="0"/>
-              <a:t>2020/7/31</a:t>
+              <a:t>2020/8/6</a:t>
             </a:fld>
             <a:endParaRPr lang="zh-CN" altLang="en-US"/>
           </a:p>
@@ -2065,7 +2070,7 @@
           <a:p>
             <a:fld id="{BB6AA20C-F034-4B89-BF6D-AE204F5DD15B}" type="datetimeFigureOut">
               <a:rPr lang="zh-CN" altLang="en-US" smtClean="0"/>
-              <a:t>2020/7/31</a:t>
+              <a:t>2020/8/6</a:t>
             </a:fld>
             <a:endParaRPr lang="zh-CN" altLang="en-US"/>
           </a:p>
@@ -2376,7 +2381,7 @@
           <a:p>
             <a:fld id="{BB6AA20C-F034-4B89-BF6D-AE204F5DD15B}" type="datetimeFigureOut">
               <a:rPr lang="zh-CN" altLang="en-US" smtClean="0"/>
-              <a:t>2020/7/31</a:t>
+              <a:t>2020/8/6</a:t>
             </a:fld>
             <a:endParaRPr lang="zh-CN" altLang="en-US"/>
           </a:p>
@@ -2664,7 +2669,7 @@
           <a:p>
             <a:fld id="{BB6AA20C-F034-4B89-BF6D-AE204F5DD15B}" type="datetimeFigureOut">
               <a:rPr lang="zh-CN" altLang="en-US" smtClean="0"/>
-              <a:t>2020/7/31</a:t>
+              <a:t>2020/8/6</a:t>
             </a:fld>
             <a:endParaRPr lang="zh-CN" altLang="en-US"/>
           </a:p>
@@ -2905,7 +2910,7 @@
           <a:p>
             <a:fld id="{BB6AA20C-F034-4B89-BF6D-AE204F5DD15B}" type="datetimeFigureOut">
               <a:rPr lang="zh-CN" altLang="en-US" smtClean="0"/>
-              <a:t>2020/7/31</a:t>
+              <a:t>2020/8/6</a:t>
             </a:fld>
             <a:endParaRPr lang="zh-CN" altLang="en-US"/>
           </a:p>

--- a/Figure/overview/overview.pptx
+++ b/Figure/overview/overview.pptx
@@ -7,6 +7,7 @@
   <p:sldIdLst>
     <p:sldId id="256" r:id="rId2"/>
     <p:sldId id="257" r:id="rId3"/>
+    <p:sldId id="258" r:id="rId4"/>
   </p:sldIdLst>
   <p:sldSz cx="12192000" cy="6858000"/>
   <p:notesSz cx="6858000" cy="9144000"/>
@@ -260,7 +261,7 @@
           <a:p>
             <a:fld id="{BB6AA20C-F034-4B89-BF6D-AE204F5DD15B}" type="datetimeFigureOut">
               <a:rPr lang="zh-CN" altLang="en-US" smtClean="0"/>
-              <a:t>2020/8/6</a:t>
+              <a:t>2020/8/11</a:t>
             </a:fld>
             <a:endParaRPr lang="zh-CN" altLang="en-US"/>
           </a:p>
@@ -458,7 +459,7 @@
           <a:p>
             <a:fld id="{BB6AA20C-F034-4B89-BF6D-AE204F5DD15B}" type="datetimeFigureOut">
               <a:rPr lang="zh-CN" altLang="en-US" smtClean="0"/>
-              <a:t>2020/8/6</a:t>
+              <a:t>2020/8/11</a:t>
             </a:fld>
             <a:endParaRPr lang="zh-CN" altLang="en-US"/>
           </a:p>
@@ -666,7 +667,7 @@
           <a:p>
             <a:fld id="{BB6AA20C-F034-4B89-BF6D-AE204F5DD15B}" type="datetimeFigureOut">
               <a:rPr lang="zh-CN" altLang="en-US" smtClean="0"/>
-              <a:t>2020/8/6</a:t>
+              <a:t>2020/8/11</a:t>
             </a:fld>
             <a:endParaRPr lang="zh-CN" altLang="en-US"/>
           </a:p>
@@ -864,7 +865,7 @@
           <a:p>
             <a:fld id="{BB6AA20C-F034-4B89-BF6D-AE204F5DD15B}" type="datetimeFigureOut">
               <a:rPr lang="zh-CN" altLang="en-US" smtClean="0"/>
-              <a:t>2020/8/6</a:t>
+              <a:t>2020/8/11</a:t>
             </a:fld>
             <a:endParaRPr lang="zh-CN" altLang="en-US"/>
           </a:p>
@@ -1139,7 +1140,7 @@
           <a:p>
             <a:fld id="{BB6AA20C-F034-4B89-BF6D-AE204F5DD15B}" type="datetimeFigureOut">
               <a:rPr lang="zh-CN" altLang="en-US" smtClean="0"/>
-              <a:t>2020/8/6</a:t>
+              <a:t>2020/8/11</a:t>
             </a:fld>
             <a:endParaRPr lang="zh-CN" altLang="en-US"/>
           </a:p>
@@ -1404,7 +1405,7 @@
           <a:p>
             <a:fld id="{BB6AA20C-F034-4B89-BF6D-AE204F5DD15B}" type="datetimeFigureOut">
               <a:rPr lang="zh-CN" altLang="en-US" smtClean="0"/>
-              <a:t>2020/8/6</a:t>
+              <a:t>2020/8/11</a:t>
             </a:fld>
             <a:endParaRPr lang="zh-CN" altLang="en-US"/>
           </a:p>
@@ -1816,7 +1817,7 @@
           <a:p>
             <a:fld id="{BB6AA20C-F034-4B89-BF6D-AE204F5DD15B}" type="datetimeFigureOut">
               <a:rPr lang="zh-CN" altLang="en-US" smtClean="0"/>
-              <a:t>2020/8/6</a:t>
+              <a:t>2020/8/11</a:t>
             </a:fld>
             <a:endParaRPr lang="zh-CN" altLang="en-US"/>
           </a:p>
@@ -1957,7 +1958,7 @@
           <a:p>
             <a:fld id="{BB6AA20C-F034-4B89-BF6D-AE204F5DD15B}" type="datetimeFigureOut">
               <a:rPr lang="zh-CN" altLang="en-US" smtClean="0"/>
-              <a:t>2020/8/6</a:t>
+              <a:t>2020/8/11</a:t>
             </a:fld>
             <a:endParaRPr lang="zh-CN" altLang="en-US"/>
           </a:p>
@@ -2070,7 +2071,7 @@
           <a:p>
             <a:fld id="{BB6AA20C-F034-4B89-BF6D-AE204F5DD15B}" type="datetimeFigureOut">
               <a:rPr lang="zh-CN" altLang="en-US" smtClean="0"/>
-              <a:t>2020/8/6</a:t>
+              <a:t>2020/8/11</a:t>
             </a:fld>
             <a:endParaRPr lang="zh-CN" altLang="en-US"/>
           </a:p>
@@ -2381,7 +2382,7 @@
           <a:p>
             <a:fld id="{BB6AA20C-F034-4B89-BF6D-AE204F5DD15B}" type="datetimeFigureOut">
               <a:rPr lang="zh-CN" altLang="en-US" smtClean="0"/>
-              <a:t>2020/8/6</a:t>
+              <a:t>2020/8/11</a:t>
             </a:fld>
             <a:endParaRPr lang="zh-CN" altLang="en-US"/>
           </a:p>
@@ -2669,7 +2670,7 @@
           <a:p>
             <a:fld id="{BB6AA20C-F034-4B89-BF6D-AE204F5DD15B}" type="datetimeFigureOut">
               <a:rPr lang="zh-CN" altLang="en-US" smtClean="0"/>
-              <a:t>2020/8/6</a:t>
+              <a:t>2020/8/11</a:t>
             </a:fld>
             <a:endParaRPr lang="zh-CN" altLang="en-US"/>
           </a:p>
@@ -2910,7 +2911,7 @@
           <a:p>
             <a:fld id="{BB6AA20C-F034-4B89-BF6D-AE204F5DD15B}" type="datetimeFigureOut">
               <a:rPr lang="zh-CN" altLang="en-US" smtClean="0"/>
-              <a:t>2020/8/6</a:t>
+              <a:t>2020/8/11</a:t>
             </a:fld>
             <a:endParaRPr lang="zh-CN" altLang="en-US"/>
           </a:p>
@@ -5073,6 +5074,930 @@
 </p:sld>
 </file>
 
+<file path=ppt/slides/slide3.xml><?xml version="1.0" encoding="utf-8"?>
+<p:sld xmlns:a="http://schemas.openxmlformats.org/drawingml/2006/main" xmlns:r="http://schemas.openxmlformats.org/officeDocument/2006/relationships" xmlns:p="http://schemas.openxmlformats.org/presentationml/2006/main">
+  <p:cSld>
+    <p:spTree>
+      <p:nvGrpSpPr>
+        <p:cNvPr id="1" name=""/>
+        <p:cNvGrpSpPr/>
+        <p:nvPr/>
+      </p:nvGrpSpPr>
+      <p:grpSpPr>
+        <a:xfrm>
+          <a:off x="0" y="0"/>
+          <a:ext cx="0" cy="0"/>
+          <a:chOff x="0" y="0"/>
+          <a:chExt cx="0" cy="0"/>
+        </a:xfrm>
+      </p:grpSpPr>
+      <p:grpSp>
+        <p:nvGrpSpPr>
+          <p:cNvPr id="10" name="组合 9">
+            <a:extLst>
+              <a:ext uri="{FF2B5EF4-FFF2-40B4-BE49-F238E27FC236}">
+                <a16:creationId xmlns:a16="http://schemas.microsoft.com/office/drawing/2014/main" id="{A3669DF2-5B46-4B89-98E6-3F472DF51F49}"/>
+              </a:ext>
+            </a:extLst>
+          </p:cNvPr>
+          <p:cNvGrpSpPr/>
+          <p:nvPr/>
+        </p:nvGrpSpPr>
+        <p:grpSpPr>
+          <a:xfrm>
+            <a:off x="6301199" y="584256"/>
+            <a:ext cx="4874801" cy="2427074"/>
+            <a:chOff x="6301199" y="584256"/>
+            <a:chExt cx="4874801" cy="2427074"/>
+          </a:xfrm>
+        </p:grpSpPr>
+        <p:pic>
+          <p:nvPicPr>
+            <p:cNvPr id="1028" name="Picture 4">
+              <a:extLst>
+                <a:ext uri="{FF2B5EF4-FFF2-40B4-BE49-F238E27FC236}">
+                  <a16:creationId xmlns:a16="http://schemas.microsoft.com/office/drawing/2014/main" id="{F9490E3F-E5F9-4BD1-9C24-A9D83486E367}"/>
+                </a:ext>
+              </a:extLst>
+            </p:cNvPr>
+            <p:cNvPicPr>
+              <a:picLocks noChangeAspect="1" noChangeArrowheads="1"/>
+            </p:cNvPicPr>
+            <p:nvPr/>
+          </p:nvPicPr>
+          <p:blipFill>
+            <a:blip r:embed="rId2">
+              <a:extLst>
+                <a:ext uri="{28A0092B-C50C-407E-A947-70E740481C1C}">
+                  <a14:useLocalDpi xmlns:a14="http://schemas.microsoft.com/office/drawing/2010/main" val="0"/>
+                </a:ext>
+              </a:extLst>
+            </a:blip>
+            <a:srcRect/>
+            <a:stretch>
+              <a:fillRect/>
+            </a:stretch>
+          </p:blipFill>
+          <p:spPr bwMode="auto">
+            <a:xfrm>
+              <a:off x="6721028" y="675032"/>
+              <a:ext cx="1905000" cy="1905000"/>
+            </a:xfrm>
+            <a:prstGeom prst="rect">
+              <a:avLst/>
+            </a:prstGeom>
+            <a:noFill/>
+            <a:extLst>
+              <a:ext uri="{909E8E84-426E-40DD-AFC4-6F175D3DCCD1}">
+                <a14:hiddenFill xmlns:a14="http://schemas.microsoft.com/office/drawing/2010/main">
+                  <a:solidFill>
+                    <a:srgbClr val="FFFFFF"/>
+                  </a:solidFill>
+                </a14:hiddenFill>
+              </a:ext>
+            </a:extLst>
+          </p:spPr>
+        </p:pic>
+        <p:sp>
+          <p:nvSpPr>
+            <p:cNvPr id="26" name="对话气泡: 圆角矩形 25">
+              <a:extLst>
+                <a:ext uri="{FF2B5EF4-FFF2-40B4-BE49-F238E27FC236}">
+                  <a16:creationId xmlns:a16="http://schemas.microsoft.com/office/drawing/2014/main" id="{C7609814-13C9-48C9-9530-4FA4F3B8A97F}"/>
+                </a:ext>
+              </a:extLst>
+            </p:cNvPr>
+            <p:cNvSpPr/>
+            <p:nvPr/>
+          </p:nvSpPr>
+          <p:spPr>
+            <a:xfrm>
+              <a:off x="9145383" y="584256"/>
+              <a:ext cx="2030617" cy="1310949"/>
+            </a:xfrm>
+            <a:prstGeom prst="wedgeRoundRectCallout">
+              <a:avLst>
+                <a:gd name="adj1" fmla="val -64106"/>
+                <a:gd name="adj2" fmla="val 32040"/>
+                <a:gd name="adj3" fmla="val 16667"/>
+              </a:avLst>
+            </a:prstGeom>
+            <a:solidFill>
+              <a:schemeClr val="bg1"/>
+            </a:solidFill>
+            <a:ln w="28575"/>
+          </p:spPr>
+          <p:style>
+            <a:lnRef idx="2">
+              <a:schemeClr val="accent1">
+                <a:shade val="50000"/>
+              </a:schemeClr>
+            </a:lnRef>
+            <a:fillRef idx="1">
+              <a:schemeClr val="accent1"/>
+            </a:fillRef>
+            <a:effectRef idx="0">
+              <a:schemeClr val="accent1"/>
+            </a:effectRef>
+            <a:fontRef idx="minor">
+              <a:schemeClr val="lt1"/>
+            </a:fontRef>
+          </p:style>
+          <p:txBody>
+            <a:bodyPr rtlCol="0" anchor="ctr"/>
+            <a:lstStyle/>
+            <a:p>
+              <a:pPr algn="ctr"/>
+              <a:r>
+                <a:rPr lang="en-US" altLang="zh-CN" sz="2000" dirty="0">
+                  <a:solidFill>
+                    <a:schemeClr val="tx1"/>
+                  </a:solidFill>
+                  <a:latin typeface="Comic Sans MS" panose="030F0702030302020204" pitchFamily="66" charset="0"/>
+                  <a:ea typeface="微软雅黑" panose="020B0503020204020204" pitchFamily="34" charset="-122"/>
+                </a:rPr>
+                <a:t>Ok Google,</a:t>
+              </a:r>
+              <a:r>
+                <a:rPr lang="zh-CN" altLang="en-US" sz="2000" dirty="0">
+                  <a:solidFill>
+                    <a:schemeClr val="tx1"/>
+                  </a:solidFill>
+                  <a:latin typeface="Comic Sans MS" panose="030F0702030302020204" pitchFamily="66" charset="0"/>
+                  <a:ea typeface="微软雅黑" panose="020B0503020204020204" pitchFamily="34" charset="-122"/>
+                </a:rPr>
+                <a:t> </a:t>
+              </a:r>
+              <a:r>
+                <a:rPr lang="en-US" altLang="zh-CN" sz="2000" dirty="0">
+                  <a:solidFill>
+                    <a:schemeClr val="tx1"/>
+                  </a:solidFill>
+                  <a:latin typeface="Comic Sans MS" panose="030F0702030302020204" pitchFamily="66" charset="0"/>
+                  <a:ea typeface="微软雅黑" panose="020B0503020204020204" pitchFamily="34" charset="-122"/>
+                </a:rPr>
+                <a:t>take</a:t>
+              </a:r>
+              <a:r>
+                <a:rPr lang="zh-CN" altLang="en-US" sz="2000" dirty="0">
+                  <a:solidFill>
+                    <a:schemeClr val="tx1"/>
+                  </a:solidFill>
+                  <a:latin typeface="Comic Sans MS" panose="030F0702030302020204" pitchFamily="66" charset="0"/>
+                  <a:ea typeface="微软雅黑" panose="020B0503020204020204" pitchFamily="34" charset="-122"/>
+                </a:rPr>
+                <a:t> </a:t>
+              </a:r>
+              <a:r>
+                <a:rPr lang="en-US" altLang="zh-CN" sz="2000" dirty="0">
+                  <a:solidFill>
+                    <a:schemeClr val="tx1"/>
+                  </a:solidFill>
+                  <a:latin typeface="Comic Sans MS" panose="030F0702030302020204" pitchFamily="66" charset="0"/>
+                  <a:ea typeface="微软雅黑" panose="020B0503020204020204" pitchFamily="34" charset="-122"/>
+                </a:rPr>
+                <a:t>a</a:t>
+              </a:r>
+              <a:r>
+                <a:rPr lang="zh-CN" altLang="en-US" sz="2000" dirty="0">
+                  <a:solidFill>
+                    <a:schemeClr val="tx1"/>
+                  </a:solidFill>
+                  <a:latin typeface="Comic Sans MS" panose="030F0702030302020204" pitchFamily="66" charset="0"/>
+                  <a:ea typeface="微软雅黑" panose="020B0503020204020204" pitchFamily="34" charset="-122"/>
+                </a:rPr>
+                <a:t> </a:t>
+              </a:r>
+              <a:r>
+                <a:rPr lang="en-US" altLang="zh-CN" sz="2000" dirty="0">
+                  <a:solidFill>
+                    <a:schemeClr val="tx1"/>
+                  </a:solidFill>
+                  <a:latin typeface="Comic Sans MS" panose="030F0702030302020204" pitchFamily="66" charset="0"/>
+                  <a:ea typeface="微软雅黑" panose="020B0503020204020204" pitchFamily="34" charset="-122"/>
+                </a:rPr>
+                <a:t>picture.</a:t>
+              </a:r>
+              <a:endParaRPr lang="zh-CN" altLang="en-US" sz="2000" dirty="0">
+                <a:solidFill>
+                  <a:schemeClr val="tx1"/>
+                </a:solidFill>
+                <a:latin typeface="Comic Sans MS" panose="030F0702030302020204" pitchFamily="66" charset="0"/>
+                <a:ea typeface="微软雅黑" panose="020B0503020204020204" pitchFamily="34" charset="-122"/>
+              </a:endParaRPr>
+            </a:p>
+          </p:txBody>
+        </p:sp>
+        <p:sp>
+          <p:nvSpPr>
+            <p:cNvPr id="27" name="矩形 26">
+              <a:extLst>
+                <a:ext uri="{FF2B5EF4-FFF2-40B4-BE49-F238E27FC236}">
+                  <a16:creationId xmlns:a16="http://schemas.microsoft.com/office/drawing/2014/main" id="{65E6F69B-0A63-48EE-8451-B61F45010ED2}"/>
+                </a:ext>
+              </a:extLst>
+            </p:cNvPr>
+            <p:cNvSpPr/>
+            <p:nvPr/>
+          </p:nvSpPr>
+          <p:spPr>
+            <a:xfrm>
+              <a:off x="6301199" y="2641998"/>
+              <a:ext cx="3137515" cy="369332"/>
+            </a:xfrm>
+            <a:prstGeom prst="rect">
+              <a:avLst/>
+            </a:prstGeom>
+          </p:spPr>
+          <p:txBody>
+            <a:bodyPr wrap="square">
+              <a:spAutoFit/>
+            </a:bodyPr>
+            <a:lstStyle/>
+            <a:p>
+              <a:pPr algn="ctr"/>
+              <a:r>
+                <a:rPr lang="en-US" altLang="zh-CN" b="1" dirty="0">
+                  <a:solidFill>
+                    <a:prstClr val="black"/>
+                  </a:solidFill>
+                  <a:latin typeface="Times New Roman" panose="02020603050405020304" pitchFamily="18" charset="0"/>
+                  <a:ea typeface="华文新魏" panose="02010800040101010101" pitchFamily="2" charset="-122"/>
+                  <a:cs typeface="Times New Roman" panose="02020603050405020304" pitchFamily="18" charset="0"/>
+                </a:rPr>
+                <a:t>Human</a:t>
+              </a:r>
+              <a:endParaRPr lang="zh-CN" altLang="en-US" b="1" dirty="0">
+                <a:solidFill>
+                  <a:prstClr val="black"/>
+                </a:solidFill>
+                <a:latin typeface="Times New Roman" panose="02020603050405020304" pitchFamily="18" charset="0"/>
+                <a:ea typeface="华文新魏" panose="02010800040101010101" pitchFamily="2" charset="-122"/>
+                <a:cs typeface="Times New Roman" panose="02020603050405020304" pitchFamily="18" charset="0"/>
+              </a:endParaRPr>
+            </a:p>
+          </p:txBody>
+        </p:sp>
+      </p:grpSp>
+      <p:pic>
+        <p:nvPicPr>
+          <p:cNvPr id="33" name="图片 32">
+            <a:extLst>
+              <a:ext uri="{FF2B5EF4-FFF2-40B4-BE49-F238E27FC236}">
+                <a16:creationId xmlns:a16="http://schemas.microsoft.com/office/drawing/2014/main" id="{A732C2EF-D778-4F75-A86D-01BAFFC2302A}"/>
+              </a:ext>
+            </a:extLst>
+          </p:cNvPr>
+          <p:cNvPicPr>
+            <a:picLocks noChangeAspect="1"/>
+          </p:cNvPicPr>
+          <p:nvPr/>
+        </p:nvPicPr>
+        <p:blipFill>
+          <a:blip r:embed="rId3">
+            <a:extLst>
+              <a:ext uri="{28A0092B-C50C-407E-A947-70E740481C1C}">
+                <a14:useLocalDpi xmlns:a14="http://schemas.microsoft.com/office/drawing/2010/main" val="0"/>
+              </a:ext>
+            </a:extLst>
+          </a:blip>
+          <a:stretch>
+            <a:fillRect/>
+          </a:stretch>
+        </p:blipFill>
+        <p:spPr>
+          <a:xfrm rot="19800000">
+            <a:off x="4672794" y="1892497"/>
+            <a:ext cx="1674091" cy="750591"/>
+          </a:xfrm>
+          <a:prstGeom prst="rect">
+            <a:avLst/>
+          </a:prstGeom>
+        </p:spPr>
+      </p:pic>
+      <p:grpSp>
+        <p:nvGrpSpPr>
+          <p:cNvPr id="9" name="组合 8">
+            <a:extLst>
+              <a:ext uri="{FF2B5EF4-FFF2-40B4-BE49-F238E27FC236}">
+                <a16:creationId xmlns:a16="http://schemas.microsoft.com/office/drawing/2014/main" id="{0BEE3A4F-46ED-4E0E-9992-355AF00E7AF7}"/>
+              </a:ext>
+            </a:extLst>
+          </p:cNvPr>
+          <p:cNvGrpSpPr/>
+          <p:nvPr/>
+        </p:nvGrpSpPr>
+        <p:grpSpPr>
+          <a:xfrm>
+            <a:off x="6422390" y="3477339"/>
+            <a:ext cx="4753610" cy="2611720"/>
+            <a:chOff x="6422390" y="3477339"/>
+            <a:chExt cx="4753610" cy="2611720"/>
+          </a:xfrm>
+        </p:grpSpPr>
+        <p:pic>
+          <p:nvPicPr>
+            <p:cNvPr id="22" name="图片 16">
+              <a:extLst>
+                <a:ext uri="{FF2B5EF4-FFF2-40B4-BE49-F238E27FC236}">
+                  <a16:creationId xmlns:a16="http://schemas.microsoft.com/office/drawing/2014/main" id="{E6C05D56-F417-460E-80F5-817AD5DDD78B}"/>
+                </a:ext>
+              </a:extLst>
+            </p:cNvPr>
+            <p:cNvPicPr>
+              <a:picLocks noChangeAspect="1"/>
+            </p:cNvPicPr>
+            <p:nvPr/>
+          </p:nvPicPr>
+          <p:blipFill>
+            <a:blip r:embed="rId4"/>
+            <a:stretch>
+              <a:fillRect/>
+            </a:stretch>
+          </p:blipFill>
+          <p:spPr>
+            <a:xfrm>
+              <a:off x="7295265" y="3477339"/>
+              <a:ext cx="1153209" cy="2145711"/>
+            </a:xfrm>
+            <a:prstGeom prst="rect">
+              <a:avLst/>
+            </a:prstGeom>
+          </p:spPr>
+        </p:pic>
+        <p:sp>
+          <p:nvSpPr>
+            <p:cNvPr id="25" name="对话气泡: 圆角矩形 24">
+              <a:extLst>
+                <a:ext uri="{FF2B5EF4-FFF2-40B4-BE49-F238E27FC236}">
+                  <a16:creationId xmlns:a16="http://schemas.microsoft.com/office/drawing/2014/main" id="{15F04B30-4F8B-4B89-850B-CD455D8CD2A9}"/>
+                </a:ext>
+              </a:extLst>
+            </p:cNvPr>
+            <p:cNvSpPr/>
+            <p:nvPr/>
+          </p:nvSpPr>
+          <p:spPr>
+            <a:xfrm>
+              <a:off x="9145383" y="3814258"/>
+              <a:ext cx="2030617" cy="1310949"/>
+            </a:xfrm>
+            <a:prstGeom prst="wedgeRoundRectCallout">
+              <a:avLst>
+                <a:gd name="adj1" fmla="val -64106"/>
+                <a:gd name="adj2" fmla="val 32040"/>
+                <a:gd name="adj3" fmla="val 16667"/>
+              </a:avLst>
+            </a:prstGeom>
+            <a:solidFill>
+              <a:schemeClr val="bg1"/>
+            </a:solidFill>
+            <a:ln w="28575"/>
+          </p:spPr>
+          <p:style>
+            <a:lnRef idx="2">
+              <a:schemeClr val="accent1">
+                <a:shade val="50000"/>
+              </a:schemeClr>
+            </a:lnRef>
+            <a:fillRef idx="1">
+              <a:schemeClr val="accent1"/>
+            </a:fillRef>
+            <a:effectRef idx="0">
+              <a:schemeClr val="accent1"/>
+            </a:effectRef>
+            <a:fontRef idx="minor">
+              <a:schemeClr val="lt1"/>
+            </a:fontRef>
+          </p:style>
+          <p:txBody>
+            <a:bodyPr rtlCol="0" anchor="ctr"/>
+            <a:lstStyle/>
+            <a:p>
+              <a:pPr algn="ctr"/>
+              <a:r>
+                <a:rPr lang="en-US" altLang="zh-CN" sz="2000" dirty="0">
+                  <a:solidFill>
+                    <a:schemeClr val="tx1"/>
+                  </a:solidFill>
+                  <a:latin typeface="Comic Sans MS" panose="030F0702030302020204" pitchFamily="66" charset="0"/>
+                  <a:ea typeface="微软雅黑" panose="020B0503020204020204" pitchFamily="34" charset="-122"/>
+                </a:rPr>
+                <a:t>Ok Google,</a:t>
+              </a:r>
+              <a:r>
+                <a:rPr lang="zh-CN" altLang="en-US" sz="2000" dirty="0">
+                  <a:solidFill>
+                    <a:schemeClr val="tx1"/>
+                  </a:solidFill>
+                  <a:latin typeface="Comic Sans MS" panose="030F0702030302020204" pitchFamily="66" charset="0"/>
+                  <a:ea typeface="微软雅黑" panose="020B0503020204020204" pitchFamily="34" charset="-122"/>
+                </a:rPr>
+                <a:t> </a:t>
+              </a:r>
+              <a:r>
+                <a:rPr lang="en-US" altLang="zh-CN" sz="2000" dirty="0">
+                  <a:solidFill>
+                    <a:schemeClr val="tx1"/>
+                  </a:solidFill>
+                  <a:latin typeface="Comic Sans MS" panose="030F0702030302020204" pitchFamily="66" charset="0"/>
+                  <a:ea typeface="微软雅黑" panose="020B0503020204020204" pitchFamily="34" charset="-122"/>
+                </a:rPr>
+                <a:t>Wait action</a:t>
+              </a:r>
+              <a:endParaRPr lang="zh-CN" altLang="en-US" sz="2000" dirty="0">
+                <a:solidFill>
+                  <a:schemeClr val="tx1"/>
+                </a:solidFill>
+                <a:latin typeface="Comic Sans MS" panose="030F0702030302020204" pitchFamily="66" charset="0"/>
+                <a:ea typeface="微软雅黑" panose="020B0503020204020204" pitchFamily="34" charset="-122"/>
+              </a:endParaRPr>
+            </a:p>
+          </p:txBody>
+        </p:sp>
+        <p:sp>
+          <p:nvSpPr>
+            <p:cNvPr id="34" name="矩形 33">
+              <a:extLst>
+                <a:ext uri="{FF2B5EF4-FFF2-40B4-BE49-F238E27FC236}">
+                  <a16:creationId xmlns:a16="http://schemas.microsoft.com/office/drawing/2014/main" id="{D80870F4-5EF9-4581-B687-AAEEF771790F}"/>
+                </a:ext>
+              </a:extLst>
+            </p:cNvPr>
+            <p:cNvSpPr/>
+            <p:nvPr/>
+          </p:nvSpPr>
+          <p:spPr>
+            <a:xfrm>
+              <a:off x="6422390" y="5719727"/>
+              <a:ext cx="3137515" cy="369332"/>
+            </a:xfrm>
+            <a:prstGeom prst="rect">
+              <a:avLst/>
+            </a:prstGeom>
+          </p:spPr>
+          <p:txBody>
+            <a:bodyPr wrap="square">
+              <a:spAutoFit/>
+            </a:bodyPr>
+            <a:lstStyle/>
+            <a:p>
+              <a:pPr algn="ctr"/>
+              <a:r>
+                <a:rPr lang="en-US" altLang="zh-CN" b="1" dirty="0">
+                  <a:solidFill>
+                    <a:prstClr val="black"/>
+                  </a:solidFill>
+                  <a:latin typeface="Times New Roman" panose="02020603050405020304" pitchFamily="18" charset="0"/>
+                  <a:ea typeface="华文新魏" panose="02010800040101010101" pitchFamily="2" charset="-122"/>
+                  <a:cs typeface="Times New Roman" panose="02020603050405020304" pitchFamily="18" charset="0"/>
+                </a:rPr>
+                <a:t>Machine</a:t>
+              </a:r>
+              <a:endParaRPr lang="zh-CN" altLang="en-US" b="1" dirty="0">
+                <a:solidFill>
+                  <a:prstClr val="black"/>
+                </a:solidFill>
+                <a:latin typeface="Times New Roman" panose="02020603050405020304" pitchFamily="18" charset="0"/>
+                <a:ea typeface="华文新魏" panose="02010800040101010101" pitchFamily="2" charset="-122"/>
+                <a:cs typeface="Times New Roman" panose="02020603050405020304" pitchFamily="18" charset="0"/>
+              </a:endParaRPr>
+            </a:p>
+          </p:txBody>
+        </p:sp>
+      </p:grpSp>
+      <p:grpSp>
+        <p:nvGrpSpPr>
+          <p:cNvPr id="7" name="组合 6">
+            <a:extLst>
+              <a:ext uri="{FF2B5EF4-FFF2-40B4-BE49-F238E27FC236}">
+                <a16:creationId xmlns:a16="http://schemas.microsoft.com/office/drawing/2014/main" id="{8B5DED0A-FAD5-4E79-BD1C-17F8BD265885}"/>
+              </a:ext>
+            </a:extLst>
+          </p:cNvPr>
+          <p:cNvGrpSpPr/>
+          <p:nvPr/>
+        </p:nvGrpSpPr>
+        <p:grpSpPr>
+          <a:xfrm>
+            <a:off x="1391842" y="2359467"/>
+            <a:ext cx="3758895" cy="1769735"/>
+            <a:chOff x="1391842" y="2859766"/>
+            <a:chExt cx="3758895" cy="1769735"/>
+          </a:xfrm>
+        </p:grpSpPr>
+        <p:pic>
+          <p:nvPicPr>
+            <p:cNvPr id="19" name="图片 18">
+              <a:extLst>
+                <a:ext uri="{FF2B5EF4-FFF2-40B4-BE49-F238E27FC236}">
+                  <a16:creationId xmlns:a16="http://schemas.microsoft.com/office/drawing/2014/main" id="{A77205AF-90AD-4833-9E38-5E9B9F851166}"/>
+                </a:ext>
+              </a:extLst>
+            </p:cNvPr>
+            <p:cNvPicPr>
+              <a:picLocks noChangeAspect="1"/>
+            </p:cNvPicPr>
+            <p:nvPr/>
+          </p:nvPicPr>
+          <p:blipFill>
+            <a:blip r:embed="rId5"/>
+            <a:stretch>
+              <a:fillRect/>
+            </a:stretch>
+          </p:blipFill>
+          <p:spPr>
+            <a:xfrm>
+              <a:off x="1391842" y="2930869"/>
+              <a:ext cx="835156" cy="1642170"/>
+            </a:xfrm>
+            <a:prstGeom prst="rect">
+              <a:avLst/>
+            </a:prstGeom>
+          </p:spPr>
+        </p:pic>
+        <p:sp>
+          <p:nvSpPr>
+            <p:cNvPr id="35" name="矩形 34">
+              <a:extLst>
+                <a:ext uri="{FF2B5EF4-FFF2-40B4-BE49-F238E27FC236}">
+                  <a16:creationId xmlns:a16="http://schemas.microsoft.com/office/drawing/2014/main" id="{F0B627ED-CC94-4BF8-963F-C2E605381394}"/>
+                </a:ext>
+              </a:extLst>
+            </p:cNvPr>
+            <p:cNvSpPr/>
+            <p:nvPr/>
+          </p:nvSpPr>
+          <p:spPr>
+            <a:xfrm>
+              <a:off x="2013222" y="4260169"/>
+              <a:ext cx="3137515" cy="369332"/>
+            </a:xfrm>
+            <a:prstGeom prst="rect">
+              <a:avLst/>
+            </a:prstGeom>
+          </p:spPr>
+          <p:txBody>
+            <a:bodyPr wrap="square">
+              <a:spAutoFit/>
+            </a:bodyPr>
+            <a:lstStyle/>
+            <a:p>
+              <a:pPr algn="ctr"/>
+              <a:r>
+                <a:rPr lang="en-US" altLang="zh-CN" b="1" dirty="0">
+                  <a:solidFill>
+                    <a:prstClr val="black"/>
+                  </a:solidFill>
+                  <a:latin typeface="Times New Roman" panose="02020603050405020304" pitchFamily="18" charset="0"/>
+                  <a:ea typeface="华文新魏" panose="02010800040101010101" pitchFamily="2" charset="-122"/>
+                  <a:cs typeface="Times New Roman" panose="02020603050405020304" pitchFamily="18" charset="0"/>
+                </a:rPr>
+                <a:t>Played in </a:t>
+              </a:r>
+              <a:r>
+                <a:rPr lang="en-US" altLang="zh-CN" b="1" dirty="0">
+                  <a:solidFill>
+                    <a:srgbClr val="C00000"/>
+                  </a:solidFill>
+                  <a:latin typeface="Times New Roman" panose="02020603050405020304" pitchFamily="18" charset="0"/>
+                  <a:ea typeface="华文新魏" panose="02010800040101010101" pitchFamily="2" charset="-122"/>
+                  <a:cs typeface="Times New Roman" panose="02020603050405020304" pitchFamily="18" charset="0"/>
+                </a:rPr>
+                <a:t>1.5x</a:t>
+              </a:r>
+              <a:r>
+                <a:rPr lang="en-US" altLang="zh-CN" b="1" dirty="0">
+                  <a:solidFill>
+                    <a:prstClr val="black"/>
+                  </a:solidFill>
+                  <a:latin typeface="Times New Roman" panose="02020603050405020304" pitchFamily="18" charset="0"/>
+                  <a:ea typeface="华文新魏" panose="02010800040101010101" pitchFamily="2" charset="-122"/>
+                  <a:cs typeface="Times New Roman" panose="02020603050405020304" pitchFamily="18" charset="0"/>
+                </a:rPr>
+                <a:t> speed</a:t>
+              </a:r>
+              <a:endParaRPr lang="zh-CN" altLang="en-US" b="1" dirty="0">
+                <a:solidFill>
+                  <a:prstClr val="black"/>
+                </a:solidFill>
+                <a:latin typeface="Times New Roman" panose="02020603050405020304" pitchFamily="18" charset="0"/>
+                <a:ea typeface="华文新魏" panose="02010800040101010101" pitchFamily="2" charset="-122"/>
+                <a:cs typeface="Times New Roman" panose="02020603050405020304" pitchFamily="18" charset="0"/>
+              </a:endParaRPr>
+            </a:p>
+          </p:txBody>
+        </p:sp>
+        <p:sp>
+          <p:nvSpPr>
+            <p:cNvPr id="36" name="对话气泡: 圆角矩形 35">
+              <a:extLst>
+                <a:ext uri="{FF2B5EF4-FFF2-40B4-BE49-F238E27FC236}">
+                  <a16:creationId xmlns:a16="http://schemas.microsoft.com/office/drawing/2014/main" id="{FB0E318E-BE0C-47B5-8FA6-98AE2030A45F}"/>
+                </a:ext>
+              </a:extLst>
+            </p:cNvPr>
+            <p:cNvSpPr/>
+            <p:nvPr/>
+          </p:nvSpPr>
+          <p:spPr>
+            <a:xfrm>
+              <a:off x="2566672" y="2859766"/>
+              <a:ext cx="2030617" cy="1310949"/>
+            </a:xfrm>
+            <a:prstGeom prst="wedgeRoundRectCallout">
+              <a:avLst>
+                <a:gd name="adj1" fmla="val -64106"/>
+                <a:gd name="adj2" fmla="val 32040"/>
+                <a:gd name="adj3" fmla="val 16667"/>
+              </a:avLst>
+            </a:prstGeom>
+            <a:solidFill>
+              <a:schemeClr val="bg1"/>
+            </a:solidFill>
+            <a:ln w="28575"/>
+          </p:spPr>
+          <p:style>
+            <a:lnRef idx="2">
+              <a:schemeClr val="accent1">
+                <a:shade val="50000"/>
+              </a:schemeClr>
+            </a:lnRef>
+            <a:fillRef idx="1">
+              <a:schemeClr val="accent1"/>
+            </a:fillRef>
+            <a:effectRef idx="0">
+              <a:schemeClr val="accent1"/>
+            </a:effectRef>
+            <a:fontRef idx="minor">
+              <a:schemeClr val="lt1"/>
+            </a:fontRef>
+          </p:style>
+          <p:txBody>
+            <a:bodyPr rtlCol="0" anchor="ctr"/>
+            <a:lstStyle/>
+            <a:p>
+              <a:pPr algn="ctr"/>
+              <a:r>
+                <a:rPr lang="en-US" altLang="zh-CN" sz="2000" dirty="0">
+                  <a:solidFill>
+                    <a:schemeClr val="tx1"/>
+                  </a:solidFill>
+                  <a:latin typeface="Comic Sans MS" panose="030F0702030302020204" pitchFamily="66" charset="0"/>
+                  <a:ea typeface="微软雅黑" panose="020B0503020204020204" pitchFamily="34" charset="-122"/>
+                </a:rPr>
+                <a:t>Ok Google,</a:t>
+              </a:r>
+              <a:r>
+                <a:rPr lang="zh-CN" altLang="en-US" sz="2000" dirty="0">
+                  <a:solidFill>
+                    <a:schemeClr val="tx1"/>
+                  </a:solidFill>
+                  <a:latin typeface="Comic Sans MS" panose="030F0702030302020204" pitchFamily="66" charset="0"/>
+                  <a:ea typeface="微软雅黑" panose="020B0503020204020204" pitchFamily="34" charset="-122"/>
+                </a:rPr>
+                <a:t> </a:t>
+              </a:r>
+              <a:r>
+                <a:rPr lang="en-US" altLang="zh-CN" sz="2000" dirty="0">
+                  <a:solidFill>
+                    <a:schemeClr val="tx1"/>
+                  </a:solidFill>
+                  <a:latin typeface="Comic Sans MS" panose="030F0702030302020204" pitchFamily="66" charset="0"/>
+                  <a:ea typeface="微软雅黑" panose="020B0503020204020204" pitchFamily="34" charset="-122"/>
+                </a:rPr>
+                <a:t>take</a:t>
+              </a:r>
+              <a:r>
+                <a:rPr lang="zh-CN" altLang="en-US" sz="2000" dirty="0">
+                  <a:solidFill>
+                    <a:schemeClr val="tx1"/>
+                  </a:solidFill>
+                  <a:latin typeface="Comic Sans MS" panose="030F0702030302020204" pitchFamily="66" charset="0"/>
+                  <a:ea typeface="微软雅黑" panose="020B0503020204020204" pitchFamily="34" charset="-122"/>
+                </a:rPr>
+                <a:t> </a:t>
+              </a:r>
+              <a:r>
+                <a:rPr lang="en-US" altLang="zh-CN" sz="2000" dirty="0">
+                  <a:solidFill>
+                    <a:schemeClr val="tx1"/>
+                  </a:solidFill>
+                  <a:latin typeface="Comic Sans MS" panose="030F0702030302020204" pitchFamily="66" charset="0"/>
+                  <a:ea typeface="微软雅黑" panose="020B0503020204020204" pitchFamily="34" charset="-122"/>
+                </a:rPr>
+                <a:t>a</a:t>
+              </a:r>
+              <a:r>
+                <a:rPr lang="zh-CN" altLang="en-US" sz="2000" dirty="0">
+                  <a:solidFill>
+                    <a:schemeClr val="tx1"/>
+                  </a:solidFill>
+                  <a:latin typeface="Comic Sans MS" panose="030F0702030302020204" pitchFamily="66" charset="0"/>
+                  <a:ea typeface="微软雅黑" panose="020B0503020204020204" pitchFamily="34" charset="-122"/>
+                </a:rPr>
+                <a:t> </a:t>
+              </a:r>
+              <a:r>
+                <a:rPr lang="en-US" altLang="zh-CN" sz="2000" dirty="0">
+                  <a:solidFill>
+                    <a:schemeClr val="tx1"/>
+                  </a:solidFill>
+                  <a:latin typeface="Comic Sans MS" panose="030F0702030302020204" pitchFamily="66" charset="0"/>
+                  <a:ea typeface="微软雅黑" panose="020B0503020204020204" pitchFamily="34" charset="-122"/>
+                </a:rPr>
+                <a:t>picture.</a:t>
+              </a:r>
+              <a:endParaRPr lang="zh-CN" altLang="en-US" sz="2000" dirty="0">
+                <a:solidFill>
+                  <a:schemeClr val="tx1"/>
+                </a:solidFill>
+                <a:latin typeface="Comic Sans MS" panose="030F0702030302020204" pitchFamily="66" charset="0"/>
+                <a:ea typeface="微软雅黑" panose="020B0503020204020204" pitchFamily="34" charset="-122"/>
+              </a:endParaRPr>
+            </a:p>
+          </p:txBody>
+        </p:sp>
+      </p:grpSp>
+      <p:pic>
+        <p:nvPicPr>
+          <p:cNvPr id="37" name="图片 36">
+            <a:extLst>
+              <a:ext uri="{FF2B5EF4-FFF2-40B4-BE49-F238E27FC236}">
+                <a16:creationId xmlns:a16="http://schemas.microsoft.com/office/drawing/2014/main" id="{468B3DAE-BF29-4DD6-8B06-CAA630BCFD71}"/>
+              </a:ext>
+            </a:extLst>
+          </p:cNvPr>
+          <p:cNvPicPr>
+            <a:picLocks noChangeAspect="1"/>
+          </p:cNvPicPr>
+          <p:nvPr/>
+        </p:nvPicPr>
+        <p:blipFill>
+          <a:blip r:embed="rId3">
+            <a:extLst>
+              <a:ext uri="{28A0092B-C50C-407E-A947-70E740481C1C}">
+                <a14:useLocalDpi xmlns:a14="http://schemas.microsoft.com/office/drawing/2010/main" val="0"/>
+              </a:ext>
+            </a:extLst>
+          </a:blip>
+          <a:stretch>
+            <a:fillRect/>
+          </a:stretch>
+        </p:blipFill>
+        <p:spPr>
+          <a:xfrm rot="1800000" flipV="1">
+            <a:off x="4750129" y="3744325"/>
+            <a:ext cx="1674091" cy="750591"/>
+          </a:xfrm>
+          <a:prstGeom prst="rect">
+            <a:avLst/>
+          </a:prstGeom>
+        </p:spPr>
+      </p:pic>
+    </p:spTree>
+    <p:extLst>
+      <p:ext uri="{BB962C8B-B14F-4D97-AF65-F5344CB8AC3E}">
+        <p14:creationId xmlns:p14="http://schemas.microsoft.com/office/powerpoint/2010/main" val="2201449871"/>
+      </p:ext>
+    </p:extLst>
+  </p:cSld>
+  <p:clrMapOvr>
+    <a:masterClrMapping/>
+  </p:clrMapOvr>
+  <p:timing>
+    <p:tnLst>
+      <p:par>
+        <p:cTn id="1" dur="indefinite" restart="never" nodeType="tmRoot">
+          <p:childTnLst>
+            <p:seq concurrent="1" nextAc="seek">
+              <p:cTn id="2" dur="indefinite" nodeType="mainSeq">
+                <p:childTnLst>
+                  <p:par>
+                    <p:cTn id="3" fill="hold">
+                      <p:stCondLst>
+                        <p:cond delay="indefinite"/>
+                        <p:cond evt="onBegin" delay="0">
+                          <p:tn val="2"/>
+                        </p:cond>
+                      </p:stCondLst>
+                      <p:childTnLst>
+                        <p:par>
+                          <p:cTn id="4" fill="hold">
+                            <p:stCondLst>
+                              <p:cond delay="0"/>
+                            </p:stCondLst>
+                            <p:childTnLst>
+                              <p:par>
+                                <p:cTn id="5" presetID="10" presetClass="entr" presetSubtype="0" fill="hold" nodeType="afterEffect">
+                                  <p:stCondLst>
+                                    <p:cond delay="750"/>
+                                  </p:stCondLst>
+                                  <p:childTnLst>
+                                    <p:set>
+                                      <p:cBhvr>
+                                        <p:cTn id="6" dur="1" fill="hold">
+                                          <p:stCondLst>
+                                            <p:cond delay="0"/>
+                                          </p:stCondLst>
+                                        </p:cTn>
+                                        <p:tgtEl>
+                                          <p:spTgt spid="33"/>
+                                        </p:tgtEl>
+                                        <p:attrNameLst>
+                                          <p:attrName>style.visibility</p:attrName>
+                                        </p:attrNameLst>
+                                      </p:cBhvr>
+                                      <p:to>
+                                        <p:strVal val="visible"/>
+                                      </p:to>
+                                    </p:set>
+                                    <p:animEffect transition="in" filter="fade">
+                                      <p:cBhvr>
+                                        <p:cTn id="7" dur="10"/>
+                                        <p:tgtEl>
+                                          <p:spTgt spid="33"/>
+                                        </p:tgtEl>
+                                      </p:cBhvr>
+                                    </p:animEffect>
+                                  </p:childTnLst>
+                                </p:cTn>
+                              </p:par>
+                            </p:childTnLst>
+                          </p:cTn>
+                        </p:par>
+                        <p:par>
+                          <p:cTn id="8" fill="hold">
+                            <p:stCondLst>
+                              <p:cond delay="760"/>
+                            </p:stCondLst>
+                            <p:childTnLst>
+                              <p:par>
+                                <p:cTn id="9" presetID="10" presetClass="entr" presetSubtype="0" fill="hold" nodeType="afterEffect">
+                                  <p:stCondLst>
+                                    <p:cond delay="750"/>
+                                  </p:stCondLst>
+                                  <p:childTnLst>
+                                    <p:set>
+                                      <p:cBhvr>
+                                        <p:cTn id="10" dur="1" fill="hold">
+                                          <p:stCondLst>
+                                            <p:cond delay="0"/>
+                                          </p:stCondLst>
+                                        </p:cTn>
+                                        <p:tgtEl>
+                                          <p:spTgt spid="37"/>
+                                        </p:tgtEl>
+                                        <p:attrNameLst>
+                                          <p:attrName>style.visibility</p:attrName>
+                                        </p:attrNameLst>
+                                      </p:cBhvr>
+                                      <p:to>
+                                        <p:strVal val="visible"/>
+                                      </p:to>
+                                    </p:set>
+                                    <p:animEffect transition="in" filter="fade">
+                                      <p:cBhvr>
+                                        <p:cTn id="11" dur="10"/>
+                                        <p:tgtEl>
+                                          <p:spTgt spid="37"/>
+                                        </p:tgtEl>
+                                      </p:cBhvr>
+                                    </p:animEffect>
+                                  </p:childTnLst>
+                                </p:cTn>
+                              </p:par>
+                            </p:childTnLst>
+                          </p:cTn>
+                        </p:par>
+                      </p:childTnLst>
+                    </p:cTn>
+                  </p:par>
+                </p:childTnLst>
+              </p:cTn>
+              <p:prevCondLst>
+                <p:cond evt="onPrev" delay="0">
+                  <p:tgtEl>
+                    <p:sldTgt/>
+                  </p:tgtEl>
+                </p:cond>
+              </p:prevCondLst>
+              <p:nextCondLst>
+                <p:cond evt="onNext" delay="0">
+                  <p:tgtEl>
+                    <p:sldTgt/>
+                  </p:tgtEl>
+                </p:cond>
+              </p:nextCondLst>
+            </p:seq>
+          </p:childTnLst>
+        </p:cTn>
+      </p:par>
+    </p:tnLst>
+  </p:timing>
+</p:sld>
+</file>
+
 <file path=ppt/theme/theme1.xml><?xml version="1.0" encoding="utf-8"?>
 <a:theme xmlns:a="http://schemas.openxmlformats.org/drawingml/2006/main" name="Office 主题​​">
   <a:themeElements>
